--- a/slides/Slides-Flutter-002.pptx
+++ b/slides/Slides-Flutter-002.pptx
@@ -935,6 +935,89 @@
     <p:extLst>
       <p:ext uri="{BB962C8B-B14F-4D97-AF65-F5344CB8AC3E}">
         <p14:creationId xmlns:p14="http://schemas.microsoft.com/office/powerpoint/2010/main" val="1024086991"/>
+      </p:ext>
+    </p:extLst>
+  </p:cSld>
+  <p:clrMapOvr>
+    <a:masterClrMapping/>
+  </p:clrMapOvr>
+</p:notes>
+</file>
+
+<file path=ppt/notesSlides/notesSlide9.xml><?xml version="1.0" encoding="utf-8"?>
+<p:notes xmlns:a="http://schemas.openxmlformats.org/drawingml/2006/main" xmlns:r="http://schemas.openxmlformats.org/officeDocument/2006/relationships" xmlns:p="http://schemas.openxmlformats.org/presentationml/2006/main">
+  <p:cSld>
+    <p:spTree>
+      <p:nvGrpSpPr>
+        <p:cNvPr id="1" name=""/>
+        <p:cNvGrpSpPr/>
+        <p:nvPr/>
+      </p:nvGrpSpPr>
+      <p:grpSpPr>
+        <a:xfrm>
+          <a:off x="0" y="0"/>
+          <a:ext cx="0" cy="0"/>
+          <a:chOff x="0" y="0"/>
+          <a:chExt cx="0" cy="0"/>
+        </a:xfrm>
+      </p:grpSpPr>
+      <p:sp>
+        <p:nvSpPr>
+          <p:cNvPr id="2" name="Espaço Reservado para Imagem de Slide 1"/>
+          <p:cNvSpPr>
+            <a:spLocks noGrp="1" noRot="1" noChangeAspect="1"/>
+          </p:cNvSpPr>
+          <p:nvPr>
+            <p:ph type="sldImg"/>
+          </p:nvPr>
+        </p:nvSpPr>
+        <p:spPr>
+          <a:xfrm>
+            <a:off x="-273050" y="1828800"/>
+            <a:ext cx="8775700" cy="4937125"/>
+          </a:xfrm>
+          <a:prstGeom prst="rect">
+            <a:avLst/>
+          </a:prstGeom>
+          <a:noFill/>
+          <a:ln w="12700">
+            <a:solidFill>
+              <a:prstClr val="black"/>
+            </a:solidFill>
+          </a:ln>
+        </p:spPr>
+      </p:sp>
+      <p:sp>
+        <p:nvSpPr>
+          <p:cNvPr id="3" name="Espaço Reservado para Anotações 2"/>
+          <p:cNvSpPr>
+            <a:spLocks noGrp="1"/>
+          </p:cNvSpPr>
+          <p:nvPr>
+            <p:ph type="body" idx="1"/>
+          </p:nvPr>
+        </p:nvSpPr>
+        <p:spPr>
+          <a:xfrm>
+            <a:off x="822325" y="7040563"/>
+            <a:ext cx="6584950" cy="5761037"/>
+          </a:xfrm>
+          <a:prstGeom prst="rect">
+            <a:avLst/>
+          </a:prstGeom>
+        </p:spPr>
+        <p:txBody>
+          <a:bodyPr/>
+          <a:lstStyle/>
+          <a:p>
+            <a:endParaRPr lang="pt-BR" dirty="0"/>
+          </a:p>
+        </p:txBody>
+      </p:sp>
+    </p:spTree>
+    <p:extLst>
+      <p:ext uri="{BB962C8B-B14F-4D97-AF65-F5344CB8AC3E}">
+        <p14:creationId xmlns:p14="http://schemas.microsoft.com/office/powerpoint/2010/main" val="504895778"/>
       </p:ext>
     </p:extLst>
   </p:cSld>
@@ -7446,7 +7529,7 @@
             </p:xfrm>
             <a:graphic>
               <a:graphicData uri="http://schemas.microsoft.com/office/webextensions/webextension/2010/11">
-                <we:webextensionref xmlns:we="http://schemas.microsoft.com/office/webextensions/webextension/2010/11" xmlns:r="http://schemas.openxmlformats.org/officeDocument/2006/relationships" r:id="rId2"/>
+                <we:webextensionref xmlns:we="http://schemas.microsoft.com/office/webextensions/webextension/2010/11" xmlns:r="http://schemas.openxmlformats.org/officeDocument/2006/relationships" r:id="rId3"/>
               </a:graphicData>
             </a:graphic>
           </p:graphicFrame>
@@ -7467,7 +7550,7 @@
               <p:nvPr/>
             </p:nvPicPr>
             <p:blipFill>
-              <a:blip r:embed="rId3"/>
+              <a:blip r:embed="rId4"/>
               <a:stretch>
                 <a:fillRect/>
               </a:stretch>
@@ -8114,7 +8197,7 @@
     <we:reference id="wa200004824" version="2.0.1.0" store="wa200004824" storeType="OMEX"/>
   </we:alternateReferences>
   <we:properties>
-    <we:property name="dataSlidePPT" value="&quot;&quot;"/>
+    <we:property name="dataSlidePPT" value="{&quot;activePresentationId&quot;:6686528}"/>
   </we:properties>
   <we:bindings/>
   <we:snapshot xmlns:r="http://schemas.openxmlformats.org/officeDocument/2006/relationships" r:embed="rId1"/>
